--- a/ppt 16-9/0401.接神至心.pptx
+++ b/ppt 16-9/0401.接神至心.pptx
@@ -129,7 +129,7 @@
           <p:cNvPr id="2" name="标题 1">
             <a:extLst>
               <a:ext uri="{FF2B5EF4-FFF2-40B4-BE49-F238E27FC236}">
-                <a16:creationId xmlns:a16="http://schemas.microsoft.com/office/drawing/2014/main" id="{87D0C8E5-25E8-8438-5976-5300C39A590C}"/>
+                <a16:creationId xmlns:a16="http://schemas.microsoft.com/office/drawing/2014/main" id="{9671FE8C-F502-4925-4583-98CEAA3AE755}"/>
               </a:ext>
             </a:extLst>
           </p:cNvPr>
@@ -166,7 +166,7 @@
           <p:cNvPr id="3" name="副标题 2">
             <a:extLst>
               <a:ext uri="{FF2B5EF4-FFF2-40B4-BE49-F238E27FC236}">
-                <a16:creationId xmlns:a16="http://schemas.microsoft.com/office/drawing/2014/main" id="{D8F56DEF-B45C-A973-09A7-636D87DB80EF}"/>
+                <a16:creationId xmlns:a16="http://schemas.microsoft.com/office/drawing/2014/main" id="{62C28992-A797-FE34-92FA-035B88A1738A}"/>
               </a:ext>
             </a:extLst>
           </p:cNvPr>
@@ -236,7 +236,7 @@
           <p:cNvPr id="4" name="日期占位符 3">
             <a:extLst>
               <a:ext uri="{FF2B5EF4-FFF2-40B4-BE49-F238E27FC236}">
-                <a16:creationId xmlns:a16="http://schemas.microsoft.com/office/drawing/2014/main" id="{7A37F71F-897E-6432-FEAB-B0E8FB94E485}"/>
+                <a16:creationId xmlns:a16="http://schemas.microsoft.com/office/drawing/2014/main" id="{523FEE3F-9650-DA04-7F48-F499A659EDF3}"/>
               </a:ext>
             </a:extLst>
           </p:cNvPr>
@@ -252,7 +252,7 @@
           <a:bodyPr/>
           <a:lstStyle/>
           <a:p>
-            <a:fld id="{950A36D7-05E3-4DB4-861C-17D59C600984}" type="datetimeFigureOut">
+            <a:fld id="{AFB5C6A8-8D75-4FBF-A934-7F758881AA81}" type="datetimeFigureOut">
               <a:rPr lang="zh-CN" altLang="en-US" smtClean="0"/>
               <a:t>2024/3/10</a:t>
             </a:fld>
@@ -265,7 +265,7 @@
           <p:cNvPr id="5" name="页脚占位符 4">
             <a:extLst>
               <a:ext uri="{FF2B5EF4-FFF2-40B4-BE49-F238E27FC236}">
-                <a16:creationId xmlns:a16="http://schemas.microsoft.com/office/drawing/2014/main" id="{D9BEDD3B-9A54-B392-0D0D-CD3F3EA34DAF}"/>
+                <a16:creationId xmlns:a16="http://schemas.microsoft.com/office/drawing/2014/main" id="{E121B839-4372-AFCC-BC05-092F646AC2A2}"/>
               </a:ext>
             </a:extLst>
           </p:cNvPr>
@@ -290,7 +290,7 @@
           <p:cNvPr id="6" name="灯片编号占位符 5">
             <a:extLst>
               <a:ext uri="{FF2B5EF4-FFF2-40B4-BE49-F238E27FC236}">
-                <a16:creationId xmlns:a16="http://schemas.microsoft.com/office/drawing/2014/main" id="{BB72C6F9-71EB-D113-4DCB-192889A826FC}"/>
+                <a16:creationId xmlns:a16="http://schemas.microsoft.com/office/drawing/2014/main" id="{45DD7235-B300-8506-4273-8A30D441378C}"/>
               </a:ext>
             </a:extLst>
           </p:cNvPr>
@@ -306,7 +306,7 @@
           <a:bodyPr/>
           <a:lstStyle/>
           <a:p>
-            <a:fld id="{2D48CC92-EBAF-451C-B9B9-6572DB072210}" type="slidenum">
+            <a:fld id="{32F3DAE2-7AE0-4A65-BE2C-0BD0014E5265}" type="slidenum">
               <a:rPr lang="zh-CN" altLang="en-US" smtClean="0"/>
               <a:t>‹#›</a:t>
             </a:fld>
@@ -317,7 +317,7 @@
     </p:spTree>
     <p:extLst>
       <p:ext uri="{BB962C8B-B14F-4D97-AF65-F5344CB8AC3E}">
-        <p14:creationId xmlns:p14="http://schemas.microsoft.com/office/powerpoint/2010/main" val="3720201299"/>
+        <p14:creationId xmlns:p14="http://schemas.microsoft.com/office/powerpoint/2010/main" val="271996412"/>
       </p:ext>
     </p:extLst>
   </p:cSld>
@@ -349,7 +349,7 @@
           <p:cNvPr id="2" name="标题 1">
             <a:extLst>
               <a:ext uri="{FF2B5EF4-FFF2-40B4-BE49-F238E27FC236}">
-                <a16:creationId xmlns:a16="http://schemas.microsoft.com/office/drawing/2014/main" id="{70874733-0841-17E7-2AC2-7D8D936C1854}"/>
+                <a16:creationId xmlns:a16="http://schemas.microsoft.com/office/drawing/2014/main" id="{793618DB-7372-EBB8-A2CB-5890183E46C0}"/>
               </a:ext>
             </a:extLst>
           </p:cNvPr>
@@ -377,7 +377,7 @@
           <p:cNvPr id="3" name="竖排文字占位符 2">
             <a:extLst>
               <a:ext uri="{FF2B5EF4-FFF2-40B4-BE49-F238E27FC236}">
-                <a16:creationId xmlns:a16="http://schemas.microsoft.com/office/drawing/2014/main" id="{3C670F50-66BC-C47A-631C-5059BDF819F4}"/>
+                <a16:creationId xmlns:a16="http://schemas.microsoft.com/office/drawing/2014/main" id="{DC00314A-3E76-D952-4BF6-581C94258010}"/>
               </a:ext>
             </a:extLst>
           </p:cNvPr>
@@ -434,7 +434,7 @@
           <p:cNvPr id="4" name="日期占位符 3">
             <a:extLst>
               <a:ext uri="{FF2B5EF4-FFF2-40B4-BE49-F238E27FC236}">
-                <a16:creationId xmlns:a16="http://schemas.microsoft.com/office/drawing/2014/main" id="{DFD5D6C8-1958-137B-AC84-FF39E8083548}"/>
+                <a16:creationId xmlns:a16="http://schemas.microsoft.com/office/drawing/2014/main" id="{635CFB58-B6ED-69CA-8C05-D223666F212E}"/>
               </a:ext>
             </a:extLst>
           </p:cNvPr>
@@ -450,7 +450,7 @@
           <a:bodyPr/>
           <a:lstStyle/>
           <a:p>
-            <a:fld id="{950A36D7-05E3-4DB4-861C-17D59C600984}" type="datetimeFigureOut">
+            <a:fld id="{AFB5C6A8-8D75-4FBF-A934-7F758881AA81}" type="datetimeFigureOut">
               <a:rPr lang="zh-CN" altLang="en-US" smtClean="0"/>
               <a:t>2024/3/10</a:t>
             </a:fld>
@@ -463,7 +463,7 @@
           <p:cNvPr id="5" name="页脚占位符 4">
             <a:extLst>
               <a:ext uri="{FF2B5EF4-FFF2-40B4-BE49-F238E27FC236}">
-                <a16:creationId xmlns:a16="http://schemas.microsoft.com/office/drawing/2014/main" id="{6ED5A56B-2F8F-EC77-475F-53DFB26A5542}"/>
+                <a16:creationId xmlns:a16="http://schemas.microsoft.com/office/drawing/2014/main" id="{E66E53AD-8A44-2F86-62F2-63118EC07EDD}"/>
               </a:ext>
             </a:extLst>
           </p:cNvPr>
@@ -488,7 +488,7 @@
           <p:cNvPr id="6" name="灯片编号占位符 5">
             <a:extLst>
               <a:ext uri="{FF2B5EF4-FFF2-40B4-BE49-F238E27FC236}">
-                <a16:creationId xmlns:a16="http://schemas.microsoft.com/office/drawing/2014/main" id="{83513B22-2755-6FBD-374F-BCB4F5BA9DB5}"/>
+                <a16:creationId xmlns:a16="http://schemas.microsoft.com/office/drawing/2014/main" id="{60216825-1AE8-875A-DF3A-2DB64D382B35}"/>
               </a:ext>
             </a:extLst>
           </p:cNvPr>
@@ -504,7 +504,7 @@
           <a:bodyPr/>
           <a:lstStyle/>
           <a:p>
-            <a:fld id="{2D48CC92-EBAF-451C-B9B9-6572DB072210}" type="slidenum">
+            <a:fld id="{32F3DAE2-7AE0-4A65-BE2C-0BD0014E5265}" type="slidenum">
               <a:rPr lang="zh-CN" altLang="en-US" smtClean="0"/>
               <a:t>‹#›</a:t>
             </a:fld>
@@ -515,7 +515,7 @@
     </p:spTree>
     <p:extLst>
       <p:ext uri="{BB962C8B-B14F-4D97-AF65-F5344CB8AC3E}">
-        <p14:creationId xmlns:p14="http://schemas.microsoft.com/office/powerpoint/2010/main" val="1917743709"/>
+        <p14:creationId xmlns:p14="http://schemas.microsoft.com/office/powerpoint/2010/main" val="3939497420"/>
       </p:ext>
     </p:extLst>
   </p:cSld>
@@ -547,7 +547,7 @@
           <p:cNvPr id="2" name="竖排标题 1">
             <a:extLst>
               <a:ext uri="{FF2B5EF4-FFF2-40B4-BE49-F238E27FC236}">
-                <a16:creationId xmlns:a16="http://schemas.microsoft.com/office/drawing/2014/main" id="{906129CC-4FE9-B3DF-BBE1-BFC17B27F6AA}"/>
+                <a16:creationId xmlns:a16="http://schemas.microsoft.com/office/drawing/2014/main" id="{0B7F86D1-2D1D-16D4-42AA-4EB0E00BF599}"/>
               </a:ext>
             </a:extLst>
           </p:cNvPr>
@@ -580,7 +580,7 @@
           <p:cNvPr id="3" name="竖排文字占位符 2">
             <a:extLst>
               <a:ext uri="{FF2B5EF4-FFF2-40B4-BE49-F238E27FC236}">
-                <a16:creationId xmlns:a16="http://schemas.microsoft.com/office/drawing/2014/main" id="{1F41B039-F46C-7BB5-43A4-CB995098FD63}"/>
+                <a16:creationId xmlns:a16="http://schemas.microsoft.com/office/drawing/2014/main" id="{19909E30-0166-C9B8-4D6E-B32C3A7782C5}"/>
               </a:ext>
             </a:extLst>
           </p:cNvPr>
@@ -642,7 +642,7 @@
           <p:cNvPr id="4" name="日期占位符 3">
             <a:extLst>
               <a:ext uri="{FF2B5EF4-FFF2-40B4-BE49-F238E27FC236}">
-                <a16:creationId xmlns:a16="http://schemas.microsoft.com/office/drawing/2014/main" id="{89646F6A-42DA-0387-9091-9D5773D6AA95}"/>
+                <a16:creationId xmlns:a16="http://schemas.microsoft.com/office/drawing/2014/main" id="{088BF9C4-6913-A4CA-A39B-4A5EDEED4FAA}"/>
               </a:ext>
             </a:extLst>
           </p:cNvPr>
@@ -658,7 +658,7 @@
           <a:bodyPr/>
           <a:lstStyle/>
           <a:p>
-            <a:fld id="{950A36D7-05E3-4DB4-861C-17D59C600984}" type="datetimeFigureOut">
+            <a:fld id="{AFB5C6A8-8D75-4FBF-A934-7F758881AA81}" type="datetimeFigureOut">
               <a:rPr lang="zh-CN" altLang="en-US" smtClean="0"/>
               <a:t>2024/3/10</a:t>
             </a:fld>
@@ -671,7 +671,7 @@
           <p:cNvPr id="5" name="页脚占位符 4">
             <a:extLst>
               <a:ext uri="{FF2B5EF4-FFF2-40B4-BE49-F238E27FC236}">
-                <a16:creationId xmlns:a16="http://schemas.microsoft.com/office/drawing/2014/main" id="{DB6F7EC5-65DC-286B-EFD9-3A2C1138535E}"/>
+                <a16:creationId xmlns:a16="http://schemas.microsoft.com/office/drawing/2014/main" id="{7B1CAD5F-FFAE-91AF-3417-DDB224C8C324}"/>
               </a:ext>
             </a:extLst>
           </p:cNvPr>
@@ -696,7 +696,7 @@
           <p:cNvPr id="6" name="灯片编号占位符 5">
             <a:extLst>
               <a:ext uri="{FF2B5EF4-FFF2-40B4-BE49-F238E27FC236}">
-                <a16:creationId xmlns:a16="http://schemas.microsoft.com/office/drawing/2014/main" id="{9C614B07-0945-CA99-F22F-59FF4E5088AD}"/>
+                <a16:creationId xmlns:a16="http://schemas.microsoft.com/office/drawing/2014/main" id="{D905A57C-DD2E-B286-2AC7-1E8E1A84A255}"/>
               </a:ext>
             </a:extLst>
           </p:cNvPr>
@@ -712,7 +712,7 @@
           <a:bodyPr/>
           <a:lstStyle/>
           <a:p>
-            <a:fld id="{2D48CC92-EBAF-451C-B9B9-6572DB072210}" type="slidenum">
+            <a:fld id="{32F3DAE2-7AE0-4A65-BE2C-0BD0014E5265}" type="slidenum">
               <a:rPr lang="zh-CN" altLang="en-US" smtClean="0"/>
               <a:t>‹#›</a:t>
             </a:fld>
@@ -723,7 +723,7 @@
     </p:spTree>
     <p:extLst>
       <p:ext uri="{BB962C8B-B14F-4D97-AF65-F5344CB8AC3E}">
-        <p14:creationId xmlns:p14="http://schemas.microsoft.com/office/powerpoint/2010/main" val="1333398952"/>
+        <p14:creationId xmlns:p14="http://schemas.microsoft.com/office/powerpoint/2010/main" val="2244990604"/>
       </p:ext>
     </p:extLst>
   </p:cSld>
@@ -755,7 +755,7 @@
           <p:cNvPr id="2" name="标题 1">
             <a:extLst>
               <a:ext uri="{FF2B5EF4-FFF2-40B4-BE49-F238E27FC236}">
-                <a16:creationId xmlns:a16="http://schemas.microsoft.com/office/drawing/2014/main" id="{13E16B17-7F19-3DA9-2E84-D7FEAAEDABAC}"/>
+                <a16:creationId xmlns:a16="http://schemas.microsoft.com/office/drawing/2014/main" id="{A7CD4834-A9E4-EE30-DDDD-1613E5D5DDB8}"/>
               </a:ext>
             </a:extLst>
           </p:cNvPr>
@@ -783,7 +783,7 @@
           <p:cNvPr id="3" name="内容占位符 2">
             <a:extLst>
               <a:ext uri="{FF2B5EF4-FFF2-40B4-BE49-F238E27FC236}">
-                <a16:creationId xmlns:a16="http://schemas.microsoft.com/office/drawing/2014/main" id="{760C41C5-EFF4-2863-F6D3-E02025E712CD}"/>
+                <a16:creationId xmlns:a16="http://schemas.microsoft.com/office/drawing/2014/main" id="{98D59F9D-828B-7928-7CB7-83ACB6A29A56}"/>
               </a:ext>
             </a:extLst>
           </p:cNvPr>
@@ -840,7 +840,7 @@
           <p:cNvPr id="4" name="日期占位符 3">
             <a:extLst>
               <a:ext uri="{FF2B5EF4-FFF2-40B4-BE49-F238E27FC236}">
-                <a16:creationId xmlns:a16="http://schemas.microsoft.com/office/drawing/2014/main" id="{E7E70784-A5F8-33E5-1D8B-C586A500F251}"/>
+                <a16:creationId xmlns:a16="http://schemas.microsoft.com/office/drawing/2014/main" id="{5A61B4C2-87B9-4A7C-958D-D069D0666582}"/>
               </a:ext>
             </a:extLst>
           </p:cNvPr>
@@ -856,7 +856,7 @@
           <a:bodyPr/>
           <a:lstStyle/>
           <a:p>
-            <a:fld id="{950A36D7-05E3-4DB4-861C-17D59C600984}" type="datetimeFigureOut">
+            <a:fld id="{AFB5C6A8-8D75-4FBF-A934-7F758881AA81}" type="datetimeFigureOut">
               <a:rPr lang="zh-CN" altLang="en-US" smtClean="0"/>
               <a:t>2024/3/10</a:t>
             </a:fld>
@@ -869,7 +869,7 @@
           <p:cNvPr id="5" name="页脚占位符 4">
             <a:extLst>
               <a:ext uri="{FF2B5EF4-FFF2-40B4-BE49-F238E27FC236}">
-                <a16:creationId xmlns:a16="http://schemas.microsoft.com/office/drawing/2014/main" id="{D82EE1C9-E87E-2441-6BEB-3162638DCA34}"/>
+                <a16:creationId xmlns:a16="http://schemas.microsoft.com/office/drawing/2014/main" id="{B6000F3E-7C3B-AF3A-E565-8B54757FB4E0}"/>
               </a:ext>
             </a:extLst>
           </p:cNvPr>
@@ -894,7 +894,7 @@
           <p:cNvPr id="6" name="灯片编号占位符 5">
             <a:extLst>
               <a:ext uri="{FF2B5EF4-FFF2-40B4-BE49-F238E27FC236}">
-                <a16:creationId xmlns:a16="http://schemas.microsoft.com/office/drawing/2014/main" id="{CE59869A-D5A8-8E79-B2A7-4CCF1A9A4A89}"/>
+                <a16:creationId xmlns:a16="http://schemas.microsoft.com/office/drawing/2014/main" id="{F139F52A-C2AA-72F8-1141-4EE118F6E23F}"/>
               </a:ext>
             </a:extLst>
           </p:cNvPr>
@@ -910,7 +910,7 @@
           <a:bodyPr/>
           <a:lstStyle/>
           <a:p>
-            <a:fld id="{2D48CC92-EBAF-451C-B9B9-6572DB072210}" type="slidenum">
+            <a:fld id="{32F3DAE2-7AE0-4A65-BE2C-0BD0014E5265}" type="slidenum">
               <a:rPr lang="zh-CN" altLang="en-US" smtClean="0"/>
               <a:t>‹#›</a:t>
             </a:fld>
@@ -921,7 +921,7 @@
     </p:spTree>
     <p:extLst>
       <p:ext uri="{BB962C8B-B14F-4D97-AF65-F5344CB8AC3E}">
-        <p14:creationId xmlns:p14="http://schemas.microsoft.com/office/powerpoint/2010/main" val="548873503"/>
+        <p14:creationId xmlns:p14="http://schemas.microsoft.com/office/powerpoint/2010/main" val="3158756045"/>
       </p:ext>
     </p:extLst>
   </p:cSld>
@@ -953,7 +953,7 @@
           <p:cNvPr id="2" name="标题 1">
             <a:extLst>
               <a:ext uri="{FF2B5EF4-FFF2-40B4-BE49-F238E27FC236}">
-                <a16:creationId xmlns:a16="http://schemas.microsoft.com/office/drawing/2014/main" id="{FD029F20-DD1C-18AE-9244-CB1F09125D35}"/>
+                <a16:creationId xmlns:a16="http://schemas.microsoft.com/office/drawing/2014/main" id="{58426F29-02EC-62DF-53A3-3453FB5220BD}"/>
               </a:ext>
             </a:extLst>
           </p:cNvPr>
@@ -990,7 +990,7 @@
           <p:cNvPr id="3" name="文本占位符 2">
             <a:extLst>
               <a:ext uri="{FF2B5EF4-FFF2-40B4-BE49-F238E27FC236}">
-                <a16:creationId xmlns:a16="http://schemas.microsoft.com/office/drawing/2014/main" id="{83F9F24B-5944-59BC-A255-68533C7D53B3}"/>
+                <a16:creationId xmlns:a16="http://schemas.microsoft.com/office/drawing/2014/main" id="{77E842C7-8CB6-1049-EAF3-764316C03354}"/>
               </a:ext>
             </a:extLst>
           </p:cNvPr>
@@ -1115,7 +1115,7 @@
           <p:cNvPr id="4" name="日期占位符 3">
             <a:extLst>
               <a:ext uri="{FF2B5EF4-FFF2-40B4-BE49-F238E27FC236}">
-                <a16:creationId xmlns:a16="http://schemas.microsoft.com/office/drawing/2014/main" id="{A9341ACB-4D63-ED1D-6F69-3FE0773C51C2}"/>
+                <a16:creationId xmlns:a16="http://schemas.microsoft.com/office/drawing/2014/main" id="{2E188DB3-72A2-1A95-F4D5-C296BDF742CD}"/>
               </a:ext>
             </a:extLst>
           </p:cNvPr>
@@ -1131,7 +1131,7 @@
           <a:bodyPr/>
           <a:lstStyle/>
           <a:p>
-            <a:fld id="{950A36D7-05E3-4DB4-861C-17D59C600984}" type="datetimeFigureOut">
+            <a:fld id="{AFB5C6A8-8D75-4FBF-A934-7F758881AA81}" type="datetimeFigureOut">
               <a:rPr lang="zh-CN" altLang="en-US" smtClean="0"/>
               <a:t>2024/3/10</a:t>
             </a:fld>
@@ -1144,7 +1144,7 @@
           <p:cNvPr id="5" name="页脚占位符 4">
             <a:extLst>
               <a:ext uri="{FF2B5EF4-FFF2-40B4-BE49-F238E27FC236}">
-                <a16:creationId xmlns:a16="http://schemas.microsoft.com/office/drawing/2014/main" id="{CD423D2F-FE4C-D64A-C25B-FB2540975996}"/>
+                <a16:creationId xmlns:a16="http://schemas.microsoft.com/office/drawing/2014/main" id="{2E58D402-3627-C28F-1BE4-104815CBFD1D}"/>
               </a:ext>
             </a:extLst>
           </p:cNvPr>
@@ -1169,7 +1169,7 @@
           <p:cNvPr id="6" name="灯片编号占位符 5">
             <a:extLst>
               <a:ext uri="{FF2B5EF4-FFF2-40B4-BE49-F238E27FC236}">
-                <a16:creationId xmlns:a16="http://schemas.microsoft.com/office/drawing/2014/main" id="{C888FDFE-64A6-57DD-F898-873DA9EEA8F9}"/>
+                <a16:creationId xmlns:a16="http://schemas.microsoft.com/office/drawing/2014/main" id="{1D508388-62A8-57FC-BF98-04118F3520D4}"/>
               </a:ext>
             </a:extLst>
           </p:cNvPr>
@@ -1185,7 +1185,7 @@
           <a:bodyPr/>
           <a:lstStyle/>
           <a:p>
-            <a:fld id="{2D48CC92-EBAF-451C-B9B9-6572DB072210}" type="slidenum">
+            <a:fld id="{32F3DAE2-7AE0-4A65-BE2C-0BD0014E5265}" type="slidenum">
               <a:rPr lang="zh-CN" altLang="en-US" smtClean="0"/>
               <a:t>‹#›</a:t>
             </a:fld>
@@ -1196,7 +1196,7 @@
     </p:spTree>
     <p:extLst>
       <p:ext uri="{BB962C8B-B14F-4D97-AF65-F5344CB8AC3E}">
-        <p14:creationId xmlns:p14="http://schemas.microsoft.com/office/powerpoint/2010/main" val="1002599634"/>
+        <p14:creationId xmlns:p14="http://schemas.microsoft.com/office/powerpoint/2010/main" val="3438118093"/>
       </p:ext>
     </p:extLst>
   </p:cSld>
@@ -1228,7 +1228,7 @@
           <p:cNvPr id="2" name="标题 1">
             <a:extLst>
               <a:ext uri="{FF2B5EF4-FFF2-40B4-BE49-F238E27FC236}">
-                <a16:creationId xmlns:a16="http://schemas.microsoft.com/office/drawing/2014/main" id="{20EF2B3D-4959-0466-E86C-8D87DF0FF5C5}"/>
+                <a16:creationId xmlns:a16="http://schemas.microsoft.com/office/drawing/2014/main" id="{C3379CC1-43C2-6DE1-676B-89F95867358C}"/>
               </a:ext>
             </a:extLst>
           </p:cNvPr>
@@ -1256,7 +1256,7 @@
           <p:cNvPr id="3" name="内容占位符 2">
             <a:extLst>
               <a:ext uri="{FF2B5EF4-FFF2-40B4-BE49-F238E27FC236}">
-                <a16:creationId xmlns:a16="http://schemas.microsoft.com/office/drawing/2014/main" id="{828A6295-BC26-8983-8FD6-D1D501D7A72E}"/>
+                <a16:creationId xmlns:a16="http://schemas.microsoft.com/office/drawing/2014/main" id="{36703048-852D-4BBD-86E7-4A262EBF1586}"/>
               </a:ext>
             </a:extLst>
           </p:cNvPr>
@@ -1318,7 +1318,7 @@
           <p:cNvPr id="4" name="内容占位符 3">
             <a:extLst>
               <a:ext uri="{FF2B5EF4-FFF2-40B4-BE49-F238E27FC236}">
-                <a16:creationId xmlns:a16="http://schemas.microsoft.com/office/drawing/2014/main" id="{42A0729A-0D86-FD87-D8E7-8863ED973508}"/>
+                <a16:creationId xmlns:a16="http://schemas.microsoft.com/office/drawing/2014/main" id="{1B425FD7-E12E-1BEC-A0A9-C6C52EC624A3}"/>
               </a:ext>
             </a:extLst>
           </p:cNvPr>
@@ -1380,7 +1380,7 @@
           <p:cNvPr id="5" name="日期占位符 4">
             <a:extLst>
               <a:ext uri="{FF2B5EF4-FFF2-40B4-BE49-F238E27FC236}">
-                <a16:creationId xmlns:a16="http://schemas.microsoft.com/office/drawing/2014/main" id="{14652D47-C4FD-1F60-F8DE-AA8FF60B010A}"/>
+                <a16:creationId xmlns:a16="http://schemas.microsoft.com/office/drawing/2014/main" id="{C7F3646B-95A6-F6C6-7EA1-D42C67427FB5}"/>
               </a:ext>
             </a:extLst>
           </p:cNvPr>
@@ -1396,7 +1396,7 @@
           <a:bodyPr/>
           <a:lstStyle/>
           <a:p>
-            <a:fld id="{950A36D7-05E3-4DB4-861C-17D59C600984}" type="datetimeFigureOut">
+            <a:fld id="{AFB5C6A8-8D75-4FBF-A934-7F758881AA81}" type="datetimeFigureOut">
               <a:rPr lang="zh-CN" altLang="en-US" smtClean="0"/>
               <a:t>2024/3/10</a:t>
             </a:fld>
@@ -1409,7 +1409,7 @@
           <p:cNvPr id="6" name="页脚占位符 5">
             <a:extLst>
               <a:ext uri="{FF2B5EF4-FFF2-40B4-BE49-F238E27FC236}">
-                <a16:creationId xmlns:a16="http://schemas.microsoft.com/office/drawing/2014/main" id="{0737D11D-ECAB-3086-49E7-CD58913A42A5}"/>
+                <a16:creationId xmlns:a16="http://schemas.microsoft.com/office/drawing/2014/main" id="{E837BDFB-2008-72CF-BA57-9DB9AF113E28}"/>
               </a:ext>
             </a:extLst>
           </p:cNvPr>
@@ -1434,7 +1434,7 @@
           <p:cNvPr id="7" name="灯片编号占位符 6">
             <a:extLst>
               <a:ext uri="{FF2B5EF4-FFF2-40B4-BE49-F238E27FC236}">
-                <a16:creationId xmlns:a16="http://schemas.microsoft.com/office/drawing/2014/main" id="{E7F8299B-1C88-CE99-6D80-78634859796F}"/>
+                <a16:creationId xmlns:a16="http://schemas.microsoft.com/office/drawing/2014/main" id="{69620056-F7F3-BAD9-BF15-6E8E0C273CA6}"/>
               </a:ext>
             </a:extLst>
           </p:cNvPr>
@@ -1450,7 +1450,7 @@
           <a:bodyPr/>
           <a:lstStyle/>
           <a:p>
-            <a:fld id="{2D48CC92-EBAF-451C-B9B9-6572DB072210}" type="slidenum">
+            <a:fld id="{32F3DAE2-7AE0-4A65-BE2C-0BD0014E5265}" type="slidenum">
               <a:rPr lang="zh-CN" altLang="en-US" smtClean="0"/>
               <a:t>‹#›</a:t>
             </a:fld>
@@ -1461,7 +1461,7 @@
     </p:spTree>
     <p:extLst>
       <p:ext uri="{BB962C8B-B14F-4D97-AF65-F5344CB8AC3E}">
-        <p14:creationId xmlns:p14="http://schemas.microsoft.com/office/powerpoint/2010/main" val="490591482"/>
+        <p14:creationId xmlns:p14="http://schemas.microsoft.com/office/powerpoint/2010/main" val="2101613219"/>
       </p:ext>
     </p:extLst>
   </p:cSld>
@@ -1493,7 +1493,7 @@
           <p:cNvPr id="2" name="标题 1">
             <a:extLst>
               <a:ext uri="{FF2B5EF4-FFF2-40B4-BE49-F238E27FC236}">
-                <a16:creationId xmlns:a16="http://schemas.microsoft.com/office/drawing/2014/main" id="{3AA0216C-A846-5541-DADB-18E7DF18B441}"/>
+                <a16:creationId xmlns:a16="http://schemas.microsoft.com/office/drawing/2014/main" id="{AD1550C8-2CF1-B0FA-431A-331D69562FAC}"/>
               </a:ext>
             </a:extLst>
           </p:cNvPr>
@@ -1526,7 +1526,7 @@
           <p:cNvPr id="3" name="文本占位符 2">
             <a:extLst>
               <a:ext uri="{FF2B5EF4-FFF2-40B4-BE49-F238E27FC236}">
-                <a16:creationId xmlns:a16="http://schemas.microsoft.com/office/drawing/2014/main" id="{644F79D1-E57F-D600-798E-2C07DB2AEDE7}"/>
+                <a16:creationId xmlns:a16="http://schemas.microsoft.com/office/drawing/2014/main" id="{E57D7A3A-2FDB-EC82-E8D3-13C0F302E20A}"/>
               </a:ext>
             </a:extLst>
           </p:cNvPr>
@@ -1597,7 +1597,7 @@
           <p:cNvPr id="4" name="内容占位符 3">
             <a:extLst>
               <a:ext uri="{FF2B5EF4-FFF2-40B4-BE49-F238E27FC236}">
-                <a16:creationId xmlns:a16="http://schemas.microsoft.com/office/drawing/2014/main" id="{04A46C59-94EC-4353-4F03-6C466B730252}"/>
+                <a16:creationId xmlns:a16="http://schemas.microsoft.com/office/drawing/2014/main" id="{4152BE1C-9242-C3FF-4903-C8339E563D7F}"/>
               </a:ext>
             </a:extLst>
           </p:cNvPr>
@@ -1659,7 +1659,7 @@
           <p:cNvPr id="5" name="文本占位符 4">
             <a:extLst>
               <a:ext uri="{FF2B5EF4-FFF2-40B4-BE49-F238E27FC236}">
-                <a16:creationId xmlns:a16="http://schemas.microsoft.com/office/drawing/2014/main" id="{4BA3358A-CAEA-367A-068D-DAFDC6F4A9C7}"/>
+                <a16:creationId xmlns:a16="http://schemas.microsoft.com/office/drawing/2014/main" id="{D49A0F6A-C0A2-AD95-0D17-205A06182C6E}"/>
               </a:ext>
             </a:extLst>
           </p:cNvPr>
@@ -1730,7 +1730,7 @@
           <p:cNvPr id="6" name="内容占位符 5">
             <a:extLst>
               <a:ext uri="{FF2B5EF4-FFF2-40B4-BE49-F238E27FC236}">
-                <a16:creationId xmlns:a16="http://schemas.microsoft.com/office/drawing/2014/main" id="{54DCBD31-8F38-DEAE-DE1A-D1EA4D656CD5}"/>
+                <a16:creationId xmlns:a16="http://schemas.microsoft.com/office/drawing/2014/main" id="{CB25DC07-C4E3-26A9-C1DE-978912776E76}"/>
               </a:ext>
             </a:extLst>
           </p:cNvPr>
@@ -1792,7 +1792,7 @@
           <p:cNvPr id="7" name="日期占位符 6">
             <a:extLst>
               <a:ext uri="{FF2B5EF4-FFF2-40B4-BE49-F238E27FC236}">
-                <a16:creationId xmlns:a16="http://schemas.microsoft.com/office/drawing/2014/main" id="{49B2E90E-B27B-B8F3-5467-EE2D815760DD}"/>
+                <a16:creationId xmlns:a16="http://schemas.microsoft.com/office/drawing/2014/main" id="{0ECE56D7-E629-5DA8-86A9-88641A39EA20}"/>
               </a:ext>
             </a:extLst>
           </p:cNvPr>
@@ -1808,7 +1808,7 @@
           <a:bodyPr/>
           <a:lstStyle/>
           <a:p>
-            <a:fld id="{950A36D7-05E3-4DB4-861C-17D59C600984}" type="datetimeFigureOut">
+            <a:fld id="{AFB5C6A8-8D75-4FBF-A934-7F758881AA81}" type="datetimeFigureOut">
               <a:rPr lang="zh-CN" altLang="en-US" smtClean="0"/>
               <a:t>2024/3/10</a:t>
             </a:fld>
@@ -1821,7 +1821,7 @@
           <p:cNvPr id="8" name="页脚占位符 7">
             <a:extLst>
               <a:ext uri="{FF2B5EF4-FFF2-40B4-BE49-F238E27FC236}">
-                <a16:creationId xmlns:a16="http://schemas.microsoft.com/office/drawing/2014/main" id="{F699C1B2-23D1-6760-AF44-DC91480C859C}"/>
+                <a16:creationId xmlns:a16="http://schemas.microsoft.com/office/drawing/2014/main" id="{75A6A019-7D9B-DF34-B934-6F37944BB793}"/>
               </a:ext>
             </a:extLst>
           </p:cNvPr>
@@ -1846,7 +1846,7 @@
           <p:cNvPr id="9" name="灯片编号占位符 8">
             <a:extLst>
               <a:ext uri="{FF2B5EF4-FFF2-40B4-BE49-F238E27FC236}">
-                <a16:creationId xmlns:a16="http://schemas.microsoft.com/office/drawing/2014/main" id="{37D6F108-25D1-7801-2D4E-BFDFD57530E8}"/>
+                <a16:creationId xmlns:a16="http://schemas.microsoft.com/office/drawing/2014/main" id="{3E69E0C1-8364-3F43-2066-F6D8595BBD2F}"/>
               </a:ext>
             </a:extLst>
           </p:cNvPr>
@@ -1862,7 +1862,7 @@
           <a:bodyPr/>
           <a:lstStyle/>
           <a:p>
-            <a:fld id="{2D48CC92-EBAF-451C-B9B9-6572DB072210}" type="slidenum">
+            <a:fld id="{32F3DAE2-7AE0-4A65-BE2C-0BD0014E5265}" type="slidenum">
               <a:rPr lang="zh-CN" altLang="en-US" smtClean="0"/>
               <a:t>‹#›</a:t>
             </a:fld>
@@ -1873,7 +1873,7 @@
     </p:spTree>
     <p:extLst>
       <p:ext uri="{BB962C8B-B14F-4D97-AF65-F5344CB8AC3E}">
-        <p14:creationId xmlns:p14="http://schemas.microsoft.com/office/powerpoint/2010/main" val="3947549506"/>
+        <p14:creationId xmlns:p14="http://schemas.microsoft.com/office/powerpoint/2010/main" val="3673478043"/>
       </p:ext>
     </p:extLst>
   </p:cSld>
@@ -1905,7 +1905,7 @@
           <p:cNvPr id="2" name="标题 1">
             <a:extLst>
               <a:ext uri="{FF2B5EF4-FFF2-40B4-BE49-F238E27FC236}">
-                <a16:creationId xmlns:a16="http://schemas.microsoft.com/office/drawing/2014/main" id="{22C6A0B9-C8AC-721D-8F19-C6958F66705E}"/>
+                <a16:creationId xmlns:a16="http://schemas.microsoft.com/office/drawing/2014/main" id="{DEA5A8B9-4055-6A5D-F928-82C07AA1D5C5}"/>
               </a:ext>
             </a:extLst>
           </p:cNvPr>
@@ -1933,7 +1933,7 @@
           <p:cNvPr id="3" name="日期占位符 2">
             <a:extLst>
               <a:ext uri="{FF2B5EF4-FFF2-40B4-BE49-F238E27FC236}">
-                <a16:creationId xmlns:a16="http://schemas.microsoft.com/office/drawing/2014/main" id="{04146EBB-F0E0-5518-D674-74DBD4D0478B}"/>
+                <a16:creationId xmlns:a16="http://schemas.microsoft.com/office/drawing/2014/main" id="{F64A80A5-9027-5C58-A0DD-EDA91CC1C593}"/>
               </a:ext>
             </a:extLst>
           </p:cNvPr>
@@ -1949,7 +1949,7 @@
           <a:bodyPr/>
           <a:lstStyle/>
           <a:p>
-            <a:fld id="{950A36D7-05E3-4DB4-861C-17D59C600984}" type="datetimeFigureOut">
+            <a:fld id="{AFB5C6A8-8D75-4FBF-A934-7F758881AA81}" type="datetimeFigureOut">
               <a:rPr lang="zh-CN" altLang="en-US" smtClean="0"/>
               <a:t>2024/3/10</a:t>
             </a:fld>
@@ -1962,7 +1962,7 @@
           <p:cNvPr id="4" name="页脚占位符 3">
             <a:extLst>
               <a:ext uri="{FF2B5EF4-FFF2-40B4-BE49-F238E27FC236}">
-                <a16:creationId xmlns:a16="http://schemas.microsoft.com/office/drawing/2014/main" id="{2FD30F4A-5C82-4705-0DBD-C85CE9AE3A70}"/>
+                <a16:creationId xmlns:a16="http://schemas.microsoft.com/office/drawing/2014/main" id="{17CDABAD-8AD1-1C35-4FAA-2738A96EBC9E}"/>
               </a:ext>
             </a:extLst>
           </p:cNvPr>
@@ -1987,7 +1987,7 @@
           <p:cNvPr id="5" name="灯片编号占位符 4">
             <a:extLst>
               <a:ext uri="{FF2B5EF4-FFF2-40B4-BE49-F238E27FC236}">
-                <a16:creationId xmlns:a16="http://schemas.microsoft.com/office/drawing/2014/main" id="{7B2E4F07-C6EB-2257-459C-5C22E9352A0B}"/>
+                <a16:creationId xmlns:a16="http://schemas.microsoft.com/office/drawing/2014/main" id="{7E1BD6B5-6325-65E0-8335-88CB59656956}"/>
               </a:ext>
             </a:extLst>
           </p:cNvPr>
@@ -2003,7 +2003,7 @@
           <a:bodyPr/>
           <a:lstStyle/>
           <a:p>
-            <a:fld id="{2D48CC92-EBAF-451C-B9B9-6572DB072210}" type="slidenum">
+            <a:fld id="{32F3DAE2-7AE0-4A65-BE2C-0BD0014E5265}" type="slidenum">
               <a:rPr lang="zh-CN" altLang="en-US" smtClean="0"/>
               <a:t>‹#›</a:t>
             </a:fld>
@@ -2014,7 +2014,7 @@
     </p:spTree>
     <p:extLst>
       <p:ext uri="{BB962C8B-B14F-4D97-AF65-F5344CB8AC3E}">
-        <p14:creationId xmlns:p14="http://schemas.microsoft.com/office/powerpoint/2010/main" val="1903932182"/>
+        <p14:creationId xmlns:p14="http://schemas.microsoft.com/office/powerpoint/2010/main" val="636442132"/>
       </p:ext>
     </p:extLst>
   </p:cSld>
@@ -2046,7 +2046,7 @@
           <p:cNvPr id="2" name="日期占位符 1">
             <a:extLst>
               <a:ext uri="{FF2B5EF4-FFF2-40B4-BE49-F238E27FC236}">
-                <a16:creationId xmlns:a16="http://schemas.microsoft.com/office/drawing/2014/main" id="{16A590D3-FE93-50B1-58A5-E8D14BA1D53C}"/>
+                <a16:creationId xmlns:a16="http://schemas.microsoft.com/office/drawing/2014/main" id="{C65D5708-9D7E-B876-0B66-8A273D636653}"/>
               </a:ext>
             </a:extLst>
           </p:cNvPr>
@@ -2062,7 +2062,7 @@
           <a:bodyPr/>
           <a:lstStyle/>
           <a:p>
-            <a:fld id="{950A36D7-05E3-4DB4-861C-17D59C600984}" type="datetimeFigureOut">
+            <a:fld id="{AFB5C6A8-8D75-4FBF-A934-7F758881AA81}" type="datetimeFigureOut">
               <a:rPr lang="zh-CN" altLang="en-US" smtClean="0"/>
               <a:t>2024/3/10</a:t>
             </a:fld>
@@ -2075,7 +2075,7 @@
           <p:cNvPr id="3" name="页脚占位符 2">
             <a:extLst>
               <a:ext uri="{FF2B5EF4-FFF2-40B4-BE49-F238E27FC236}">
-                <a16:creationId xmlns:a16="http://schemas.microsoft.com/office/drawing/2014/main" id="{076960A5-9E30-D558-6C37-571A76B7B701}"/>
+                <a16:creationId xmlns:a16="http://schemas.microsoft.com/office/drawing/2014/main" id="{A40DB1D8-4BD6-19BD-6856-19BB170DE734}"/>
               </a:ext>
             </a:extLst>
           </p:cNvPr>
@@ -2100,7 +2100,7 @@
           <p:cNvPr id="4" name="灯片编号占位符 3">
             <a:extLst>
               <a:ext uri="{FF2B5EF4-FFF2-40B4-BE49-F238E27FC236}">
-                <a16:creationId xmlns:a16="http://schemas.microsoft.com/office/drawing/2014/main" id="{84349892-DF4E-4B4A-402F-F12481FCCEAF}"/>
+                <a16:creationId xmlns:a16="http://schemas.microsoft.com/office/drawing/2014/main" id="{7C38C647-9200-8BF8-425F-C05D817A452D}"/>
               </a:ext>
             </a:extLst>
           </p:cNvPr>
@@ -2116,7 +2116,7 @@
           <a:bodyPr/>
           <a:lstStyle/>
           <a:p>
-            <a:fld id="{2D48CC92-EBAF-451C-B9B9-6572DB072210}" type="slidenum">
+            <a:fld id="{32F3DAE2-7AE0-4A65-BE2C-0BD0014E5265}" type="slidenum">
               <a:rPr lang="zh-CN" altLang="en-US" smtClean="0"/>
               <a:t>‹#›</a:t>
             </a:fld>
@@ -2127,7 +2127,7 @@
     </p:spTree>
     <p:extLst>
       <p:ext uri="{BB962C8B-B14F-4D97-AF65-F5344CB8AC3E}">
-        <p14:creationId xmlns:p14="http://schemas.microsoft.com/office/powerpoint/2010/main" val="4239539238"/>
+        <p14:creationId xmlns:p14="http://schemas.microsoft.com/office/powerpoint/2010/main" val="2861723964"/>
       </p:ext>
     </p:extLst>
   </p:cSld>
@@ -2159,7 +2159,7 @@
           <p:cNvPr id="2" name="标题 1">
             <a:extLst>
               <a:ext uri="{FF2B5EF4-FFF2-40B4-BE49-F238E27FC236}">
-                <a16:creationId xmlns:a16="http://schemas.microsoft.com/office/drawing/2014/main" id="{CB9B6388-D4CC-3D08-ED55-757CE37FBD6E}"/>
+                <a16:creationId xmlns:a16="http://schemas.microsoft.com/office/drawing/2014/main" id="{ADC91F0B-1E93-2365-7B2E-1C908551D5DA}"/>
               </a:ext>
             </a:extLst>
           </p:cNvPr>
@@ -2196,7 +2196,7 @@
           <p:cNvPr id="3" name="内容占位符 2">
             <a:extLst>
               <a:ext uri="{FF2B5EF4-FFF2-40B4-BE49-F238E27FC236}">
-                <a16:creationId xmlns:a16="http://schemas.microsoft.com/office/drawing/2014/main" id="{B9670981-B3E0-27A3-C4FF-4822048DF718}"/>
+                <a16:creationId xmlns:a16="http://schemas.microsoft.com/office/drawing/2014/main" id="{640A2D2B-6DF3-263E-7D7A-EBCBC1B42C15}"/>
               </a:ext>
             </a:extLst>
           </p:cNvPr>
@@ -2286,7 +2286,7 @@
           <p:cNvPr id="4" name="文本占位符 3">
             <a:extLst>
               <a:ext uri="{FF2B5EF4-FFF2-40B4-BE49-F238E27FC236}">
-                <a16:creationId xmlns:a16="http://schemas.microsoft.com/office/drawing/2014/main" id="{BFEC4CAB-71E3-D4AC-86F5-E1CC38988138}"/>
+                <a16:creationId xmlns:a16="http://schemas.microsoft.com/office/drawing/2014/main" id="{F8000836-B04D-F8D1-774B-5C6A61D0442C}"/>
               </a:ext>
             </a:extLst>
           </p:cNvPr>
@@ -2357,7 +2357,7 @@
           <p:cNvPr id="5" name="日期占位符 4">
             <a:extLst>
               <a:ext uri="{FF2B5EF4-FFF2-40B4-BE49-F238E27FC236}">
-                <a16:creationId xmlns:a16="http://schemas.microsoft.com/office/drawing/2014/main" id="{B1A8F8F8-2647-D8B2-787C-8E7CA9233A07}"/>
+                <a16:creationId xmlns:a16="http://schemas.microsoft.com/office/drawing/2014/main" id="{1A516D73-D00C-0B9D-7033-A921DC03AAE0}"/>
               </a:ext>
             </a:extLst>
           </p:cNvPr>
@@ -2373,7 +2373,7 @@
           <a:bodyPr/>
           <a:lstStyle/>
           <a:p>
-            <a:fld id="{950A36D7-05E3-4DB4-861C-17D59C600984}" type="datetimeFigureOut">
+            <a:fld id="{AFB5C6A8-8D75-4FBF-A934-7F758881AA81}" type="datetimeFigureOut">
               <a:rPr lang="zh-CN" altLang="en-US" smtClean="0"/>
               <a:t>2024/3/10</a:t>
             </a:fld>
@@ -2386,7 +2386,7 @@
           <p:cNvPr id="6" name="页脚占位符 5">
             <a:extLst>
               <a:ext uri="{FF2B5EF4-FFF2-40B4-BE49-F238E27FC236}">
-                <a16:creationId xmlns:a16="http://schemas.microsoft.com/office/drawing/2014/main" id="{ADA81D6E-1A78-9138-6AA8-EF916C3CEDB4}"/>
+                <a16:creationId xmlns:a16="http://schemas.microsoft.com/office/drawing/2014/main" id="{B4B3AC93-76F3-D885-7BBB-9DC8449176E8}"/>
               </a:ext>
             </a:extLst>
           </p:cNvPr>
@@ -2411,7 +2411,7 @@
           <p:cNvPr id="7" name="灯片编号占位符 6">
             <a:extLst>
               <a:ext uri="{FF2B5EF4-FFF2-40B4-BE49-F238E27FC236}">
-                <a16:creationId xmlns:a16="http://schemas.microsoft.com/office/drawing/2014/main" id="{1930874F-D428-FE8C-B209-2172D2461C88}"/>
+                <a16:creationId xmlns:a16="http://schemas.microsoft.com/office/drawing/2014/main" id="{A559ED74-7CD6-BCC6-8561-3D71E31ED3B1}"/>
               </a:ext>
             </a:extLst>
           </p:cNvPr>
@@ -2427,7 +2427,7 @@
           <a:bodyPr/>
           <a:lstStyle/>
           <a:p>
-            <a:fld id="{2D48CC92-EBAF-451C-B9B9-6572DB072210}" type="slidenum">
+            <a:fld id="{32F3DAE2-7AE0-4A65-BE2C-0BD0014E5265}" type="slidenum">
               <a:rPr lang="zh-CN" altLang="en-US" smtClean="0"/>
               <a:t>‹#›</a:t>
             </a:fld>
@@ -2438,7 +2438,7 @@
     </p:spTree>
     <p:extLst>
       <p:ext uri="{BB962C8B-B14F-4D97-AF65-F5344CB8AC3E}">
-        <p14:creationId xmlns:p14="http://schemas.microsoft.com/office/powerpoint/2010/main" val="3059456681"/>
+        <p14:creationId xmlns:p14="http://schemas.microsoft.com/office/powerpoint/2010/main" val="4152865593"/>
       </p:ext>
     </p:extLst>
   </p:cSld>
@@ -2470,7 +2470,7 @@
           <p:cNvPr id="2" name="标题 1">
             <a:extLst>
               <a:ext uri="{FF2B5EF4-FFF2-40B4-BE49-F238E27FC236}">
-                <a16:creationId xmlns:a16="http://schemas.microsoft.com/office/drawing/2014/main" id="{5CB82865-3D09-5CC3-75E0-308390A07669}"/>
+                <a16:creationId xmlns:a16="http://schemas.microsoft.com/office/drawing/2014/main" id="{354BBF64-9679-B541-E24C-C7A303EA3F71}"/>
               </a:ext>
             </a:extLst>
           </p:cNvPr>
@@ -2507,7 +2507,7 @@
           <p:cNvPr id="3" name="图片占位符 2">
             <a:extLst>
               <a:ext uri="{FF2B5EF4-FFF2-40B4-BE49-F238E27FC236}">
-                <a16:creationId xmlns:a16="http://schemas.microsoft.com/office/drawing/2014/main" id="{D8F9B671-A93A-2409-5B50-B934059E688E}"/>
+                <a16:creationId xmlns:a16="http://schemas.microsoft.com/office/drawing/2014/main" id="{CAAB46AB-BF6F-23D1-4D54-AEE97C9091A9}"/>
               </a:ext>
             </a:extLst>
           </p:cNvPr>
@@ -2574,7 +2574,7 @@
           <p:cNvPr id="4" name="文本占位符 3">
             <a:extLst>
               <a:ext uri="{FF2B5EF4-FFF2-40B4-BE49-F238E27FC236}">
-                <a16:creationId xmlns:a16="http://schemas.microsoft.com/office/drawing/2014/main" id="{0B43C488-93B7-8902-0214-13579824C657}"/>
+                <a16:creationId xmlns:a16="http://schemas.microsoft.com/office/drawing/2014/main" id="{90A3F571-7980-EEB1-F5EF-80D78DFE2706}"/>
               </a:ext>
             </a:extLst>
           </p:cNvPr>
@@ -2645,7 +2645,7 @@
           <p:cNvPr id="5" name="日期占位符 4">
             <a:extLst>
               <a:ext uri="{FF2B5EF4-FFF2-40B4-BE49-F238E27FC236}">
-                <a16:creationId xmlns:a16="http://schemas.microsoft.com/office/drawing/2014/main" id="{4D750941-AA88-DE6C-3DBB-8EB7253F89E4}"/>
+                <a16:creationId xmlns:a16="http://schemas.microsoft.com/office/drawing/2014/main" id="{20EED22D-13F0-4D04-1BFF-1E26ABD23766}"/>
               </a:ext>
             </a:extLst>
           </p:cNvPr>
@@ -2661,7 +2661,7 @@
           <a:bodyPr/>
           <a:lstStyle/>
           <a:p>
-            <a:fld id="{950A36D7-05E3-4DB4-861C-17D59C600984}" type="datetimeFigureOut">
+            <a:fld id="{AFB5C6A8-8D75-4FBF-A934-7F758881AA81}" type="datetimeFigureOut">
               <a:rPr lang="zh-CN" altLang="en-US" smtClean="0"/>
               <a:t>2024/3/10</a:t>
             </a:fld>
@@ -2674,7 +2674,7 @@
           <p:cNvPr id="6" name="页脚占位符 5">
             <a:extLst>
               <a:ext uri="{FF2B5EF4-FFF2-40B4-BE49-F238E27FC236}">
-                <a16:creationId xmlns:a16="http://schemas.microsoft.com/office/drawing/2014/main" id="{5FACD58A-7D24-7401-6534-1D3CF7C67BFD}"/>
+                <a16:creationId xmlns:a16="http://schemas.microsoft.com/office/drawing/2014/main" id="{E9FC70AE-EDBA-8124-375F-5D8C9A501B41}"/>
               </a:ext>
             </a:extLst>
           </p:cNvPr>
@@ -2699,7 +2699,7 @@
           <p:cNvPr id="7" name="灯片编号占位符 6">
             <a:extLst>
               <a:ext uri="{FF2B5EF4-FFF2-40B4-BE49-F238E27FC236}">
-                <a16:creationId xmlns:a16="http://schemas.microsoft.com/office/drawing/2014/main" id="{F12AA937-D98F-CE17-D436-0164E98A4ABB}"/>
+                <a16:creationId xmlns:a16="http://schemas.microsoft.com/office/drawing/2014/main" id="{71ACAC67-FBE2-A840-D8B0-C43F1D539EDD}"/>
               </a:ext>
             </a:extLst>
           </p:cNvPr>
@@ -2715,7 +2715,7 @@
           <a:bodyPr/>
           <a:lstStyle/>
           <a:p>
-            <a:fld id="{2D48CC92-EBAF-451C-B9B9-6572DB072210}" type="slidenum">
+            <a:fld id="{32F3DAE2-7AE0-4A65-BE2C-0BD0014E5265}" type="slidenum">
               <a:rPr lang="zh-CN" altLang="en-US" smtClean="0"/>
               <a:t>‹#›</a:t>
             </a:fld>
@@ -2726,7 +2726,7 @@
     </p:spTree>
     <p:extLst>
       <p:ext uri="{BB962C8B-B14F-4D97-AF65-F5344CB8AC3E}">
-        <p14:creationId xmlns:p14="http://schemas.microsoft.com/office/powerpoint/2010/main" val="2318244612"/>
+        <p14:creationId xmlns:p14="http://schemas.microsoft.com/office/powerpoint/2010/main" val="1658087343"/>
       </p:ext>
     </p:extLst>
   </p:cSld>
@@ -2763,7 +2763,7 @@
           <p:cNvPr id="2" name="标题占位符 1">
             <a:extLst>
               <a:ext uri="{FF2B5EF4-FFF2-40B4-BE49-F238E27FC236}">
-                <a16:creationId xmlns:a16="http://schemas.microsoft.com/office/drawing/2014/main" id="{A7B43B2B-B42E-0666-C3E4-EBCEBAC7797C}"/>
+                <a16:creationId xmlns:a16="http://schemas.microsoft.com/office/drawing/2014/main" id="{287B68DA-27D6-0C8C-3C76-C7C87191D0DB}"/>
               </a:ext>
             </a:extLst>
           </p:cNvPr>
@@ -2801,7 +2801,7 @@
           <p:cNvPr id="3" name="文本占位符 2">
             <a:extLst>
               <a:ext uri="{FF2B5EF4-FFF2-40B4-BE49-F238E27FC236}">
-                <a16:creationId xmlns:a16="http://schemas.microsoft.com/office/drawing/2014/main" id="{C0F36CEC-639E-01BC-8927-0AF3D6FEAD2E}"/>
+                <a16:creationId xmlns:a16="http://schemas.microsoft.com/office/drawing/2014/main" id="{643B2A06-C544-E0D5-EF1E-E554B7F2DF4C}"/>
               </a:ext>
             </a:extLst>
           </p:cNvPr>
@@ -2868,7 +2868,7 @@
           <p:cNvPr id="4" name="日期占位符 3">
             <a:extLst>
               <a:ext uri="{FF2B5EF4-FFF2-40B4-BE49-F238E27FC236}">
-                <a16:creationId xmlns:a16="http://schemas.microsoft.com/office/drawing/2014/main" id="{E6B0F196-DBBB-5631-A144-EC21229C5BFA}"/>
+                <a16:creationId xmlns:a16="http://schemas.microsoft.com/office/drawing/2014/main" id="{DF0C8B53-CBD9-6099-A2B5-0D81800305FA}"/>
               </a:ext>
             </a:extLst>
           </p:cNvPr>
@@ -2902,7 +2902,7 @@
             </a:lvl1pPr>
           </a:lstStyle>
           <a:p>
-            <a:fld id="{950A36D7-05E3-4DB4-861C-17D59C600984}" type="datetimeFigureOut">
+            <a:fld id="{AFB5C6A8-8D75-4FBF-A934-7F758881AA81}" type="datetimeFigureOut">
               <a:rPr lang="zh-CN" altLang="en-US" smtClean="0"/>
               <a:t>2024/3/10</a:t>
             </a:fld>
@@ -2915,7 +2915,7 @@
           <p:cNvPr id="5" name="页脚占位符 4">
             <a:extLst>
               <a:ext uri="{FF2B5EF4-FFF2-40B4-BE49-F238E27FC236}">
-                <a16:creationId xmlns:a16="http://schemas.microsoft.com/office/drawing/2014/main" id="{4C9CBBA2-E1EA-261B-DACF-240CDE1037E8}"/>
+                <a16:creationId xmlns:a16="http://schemas.microsoft.com/office/drawing/2014/main" id="{5A8B4F65-3C44-4644-E282-011B2B0A6539}"/>
               </a:ext>
             </a:extLst>
           </p:cNvPr>
@@ -2958,7 +2958,7 @@
           <p:cNvPr id="6" name="灯片编号占位符 5">
             <a:extLst>
               <a:ext uri="{FF2B5EF4-FFF2-40B4-BE49-F238E27FC236}">
-                <a16:creationId xmlns:a16="http://schemas.microsoft.com/office/drawing/2014/main" id="{7A6CC4F1-33F6-2F4D-EA3F-E2F22B442B56}"/>
+                <a16:creationId xmlns:a16="http://schemas.microsoft.com/office/drawing/2014/main" id="{7D526A53-440D-F450-3DE3-D75075196D47}"/>
               </a:ext>
             </a:extLst>
           </p:cNvPr>
@@ -2992,7 +2992,7 @@
             </a:lvl1pPr>
           </a:lstStyle>
           <a:p>
-            <a:fld id="{2D48CC92-EBAF-451C-B9B9-6572DB072210}" type="slidenum">
+            <a:fld id="{32F3DAE2-7AE0-4A65-BE2C-0BD0014E5265}" type="slidenum">
               <a:rPr lang="zh-CN" altLang="en-US" smtClean="0"/>
               <a:t>‹#›</a:t>
             </a:fld>
@@ -3003,7 +3003,7 @@
     </p:spTree>
     <p:extLst>
       <p:ext uri="{BB962C8B-B14F-4D97-AF65-F5344CB8AC3E}">
-        <p14:creationId xmlns:p14="http://schemas.microsoft.com/office/powerpoint/2010/main" val="3108777534"/>
+        <p14:creationId xmlns:p14="http://schemas.microsoft.com/office/powerpoint/2010/main" val="836006548"/>
       </p:ext>
     </p:extLst>
   </p:cSld>
